--- a/Indoor Navigation using Augmented Reality (100,102).pptx
+++ b/Indoor Navigation using Augmented Reality (100,102).pptx
@@ -121,7 +121,7 @@
   </p:defaultTextStyle>
   <p:extLst>
     <p:ext uri="{EFAFB233-063F-42B5-8137-9DF3F51BA10A}">
-      <p15:sldGuideLst xmlns="" xmlns:p15="http://schemas.microsoft.com/office/powerpoint/2012/main"/>
+      <p15:sldGuideLst xmlns:p15="http://schemas.microsoft.com/office/powerpoint/2012/main" xmlns=""/>
     </p:ext>
   </p:extLst>
 </p:presentation>
@@ -387,7 +387,7 @@
     </p:spTree>
     <p:extLst>
       <p:ext uri="{BB962C8B-B14F-4D97-AF65-F5344CB8AC3E}">
-        <p14:creationId xmlns="" xmlns:p14="http://schemas.microsoft.com/office/powerpoint/2010/main" val="3730091851"/>
+        <p14:creationId xmlns:p14="http://schemas.microsoft.com/office/powerpoint/2010/main" xmlns="" val="3730091851"/>
       </p:ext>
     </p:extLst>
   </p:cSld>
@@ -923,7 +923,7 @@
             </a:ln>
             <a:extLst>
               <a:ext uri="{91240B29-F687-4f45-9708-019B960494DF}">
-                <a14:hiddenLine xmlns="" xmlns:a14="http://schemas.microsoft.com/office/drawing/2010/main" w="9525">
+                <a14:hiddenLine xmlns:a14="http://schemas.microsoft.com/office/drawing/2010/main" xmlns="" w="9525">
                   <a:solidFill>
                     <a:srgbClr val="000000"/>
                   </a:solidFill>
@@ -1236,7 +1236,7 @@
     </p:spTree>
     <p:extLst>
       <p:ext uri="{BB962C8B-B14F-4D97-AF65-F5344CB8AC3E}">
-        <p14:creationId xmlns="" xmlns:p14="http://schemas.microsoft.com/office/powerpoint/2010/main" val="2272276462"/>
+        <p14:creationId xmlns:p14="http://schemas.microsoft.com/office/powerpoint/2010/main" xmlns="" val="2272276462"/>
       </p:ext>
     </p:extLst>
   </p:cSld>
@@ -2006,7 +2006,7 @@
             </a:ln>
             <a:extLst>
               <a:ext uri="{91240B29-F687-4f45-9708-019B960494DF}">
-                <a14:hiddenLine xmlns="" xmlns:a14="http://schemas.microsoft.com/office/drawing/2010/main" w="9525">
+                <a14:hiddenLine xmlns:a14="http://schemas.microsoft.com/office/drawing/2010/main" xmlns="" w="9525">
                   <a:solidFill>
                     <a:srgbClr val="000000"/>
                   </a:solidFill>
@@ -2324,7 +2324,7 @@
     </p:spTree>
     <p:extLst>
       <p:ext uri="{BB962C8B-B14F-4D97-AF65-F5344CB8AC3E}">
-        <p14:creationId xmlns="" xmlns:p14="http://schemas.microsoft.com/office/powerpoint/2010/main" val="76096363"/>
+        <p14:creationId xmlns:p14="http://schemas.microsoft.com/office/powerpoint/2010/main" xmlns="" val="76096363"/>
       </p:ext>
     </p:extLst>
   </p:cSld>
@@ -3094,7 +3094,7 @@
             </a:ln>
             <a:extLst>
               <a:ext uri="{91240B29-F687-4f45-9708-019B960494DF}">
-                <a14:hiddenLine xmlns="" xmlns:a14="http://schemas.microsoft.com/office/drawing/2010/main" w="9525">
+                <a14:hiddenLine xmlns:a14="http://schemas.microsoft.com/office/drawing/2010/main" xmlns="" w="9525">
                   <a:solidFill>
                     <a:srgbClr val="000000"/>
                   </a:solidFill>
@@ -3324,7 +3324,7 @@
     </p:spTree>
     <p:extLst>
       <p:ext uri="{BB962C8B-B14F-4D97-AF65-F5344CB8AC3E}">
-        <p14:creationId xmlns="" xmlns:p14="http://schemas.microsoft.com/office/powerpoint/2010/main" val="4162640098"/>
+        <p14:creationId xmlns:p14="http://schemas.microsoft.com/office/powerpoint/2010/main" xmlns="" val="4162640098"/>
       </p:ext>
     </p:extLst>
   </p:cSld>
@@ -4057,7 +4057,7 @@
             </a:ln>
             <a:extLst>
               <a:ext uri="{91240B29-F687-4f45-9708-019B960494DF}">
-                <a14:hiddenLine xmlns="" xmlns:a14="http://schemas.microsoft.com/office/drawing/2010/main" w="9525">
+                <a14:hiddenLine xmlns:a14="http://schemas.microsoft.com/office/drawing/2010/main" xmlns="" w="9525">
                   <a:solidFill>
                     <a:srgbClr val="000000"/>
                   </a:solidFill>
@@ -4441,7 +4441,7 @@
     </p:spTree>
     <p:extLst>
       <p:ext uri="{BB962C8B-B14F-4D97-AF65-F5344CB8AC3E}">
-        <p14:creationId xmlns="" xmlns:p14="http://schemas.microsoft.com/office/powerpoint/2010/main" val="2811279459"/>
+        <p14:creationId xmlns:p14="http://schemas.microsoft.com/office/powerpoint/2010/main" xmlns="" val="2811279459"/>
       </p:ext>
     </p:extLst>
   </p:cSld>
@@ -5174,7 +5174,7 @@
             </a:ln>
             <a:extLst>
               <a:ext uri="{91240B29-F687-4f45-9708-019B960494DF}">
-                <a14:hiddenLine xmlns="" xmlns:a14="http://schemas.microsoft.com/office/drawing/2010/main" w="9525">
+                <a14:hiddenLine xmlns:a14="http://schemas.microsoft.com/office/drawing/2010/main" xmlns="" w="9525">
                   <a:solidFill>
                     <a:srgbClr val="000000"/>
                   </a:solidFill>
@@ -5457,7 +5457,7 @@
     </p:spTree>
     <p:extLst>
       <p:ext uri="{BB962C8B-B14F-4D97-AF65-F5344CB8AC3E}">
-        <p14:creationId xmlns="" xmlns:p14="http://schemas.microsoft.com/office/powerpoint/2010/main" val="3715740892"/>
+        <p14:creationId xmlns:p14="http://schemas.microsoft.com/office/powerpoint/2010/main" xmlns="" val="3715740892"/>
       </p:ext>
     </p:extLst>
   </p:cSld>
@@ -6095,7 +6095,7 @@
     </p:spTree>
     <p:extLst>
       <p:ext uri="{BB962C8B-B14F-4D97-AF65-F5344CB8AC3E}">
-        <p14:creationId xmlns="" xmlns:p14="http://schemas.microsoft.com/office/powerpoint/2010/main" val="150306468"/>
+        <p14:creationId xmlns:p14="http://schemas.microsoft.com/office/powerpoint/2010/main" xmlns="" val="150306468"/>
       </p:ext>
     </p:extLst>
   </p:cSld>
@@ -6970,7 +6970,7 @@
     </p:spTree>
     <p:extLst>
       <p:ext uri="{BB962C8B-B14F-4D97-AF65-F5344CB8AC3E}">
-        <p14:creationId xmlns="" xmlns:p14="http://schemas.microsoft.com/office/powerpoint/2010/main" val="2088108556"/>
+        <p14:creationId xmlns:p14="http://schemas.microsoft.com/office/powerpoint/2010/main" xmlns="" val="2088108556"/>
       </p:ext>
     </p:extLst>
   </p:cSld>
@@ -7164,7 +7164,7 @@
     </p:spTree>
     <p:extLst>
       <p:ext uri="{BB962C8B-B14F-4D97-AF65-F5344CB8AC3E}">
-        <p14:creationId xmlns="" xmlns:p14="http://schemas.microsoft.com/office/powerpoint/2010/main" val="1558781820"/>
+        <p14:creationId xmlns:p14="http://schemas.microsoft.com/office/powerpoint/2010/main" xmlns="" val="1558781820"/>
       </p:ext>
     </p:extLst>
   </p:cSld>
@@ -7932,7 +7932,7 @@
           </a:ln>
           <a:extLst>
             <a:ext uri="{91240B29-F687-4f45-9708-019B960494DF}">
-              <a14:hiddenLine xmlns="" xmlns:a14="http://schemas.microsoft.com/office/drawing/2010/main" w="9525">
+              <a14:hiddenLine xmlns:a14="http://schemas.microsoft.com/office/drawing/2010/main" xmlns="" w="9525">
                 <a:solidFill>
                   <a:srgbClr val="000000"/>
                 </a:solidFill>
@@ -8152,7 +8152,7 @@
     </p:spTree>
     <p:extLst>
       <p:ext uri="{BB962C8B-B14F-4D97-AF65-F5344CB8AC3E}">
-        <p14:creationId xmlns="" xmlns:p14="http://schemas.microsoft.com/office/powerpoint/2010/main" val="878843616"/>
+        <p14:creationId xmlns:p14="http://schemas.microsoft.com/office/powerpoint/2010/main" xmlns="" val="878843616"/>
       </p:ext>
     </p:extLst>
   </p:cSld>
@@ -8346,7 +8346,7 @@
     </p:spTree>
     <p:extLst>
       <p:ext uri="{BB962C8B-B14F-4D97-AF65-F5344CB8AC3E}">
-        <p14:creationId xmlns="" xmlns:p14="http://schemas.microsoft.com/office/powerpoint/2010/main" val="1717661603"/>
+        <p14:creationId xmlns:p14="http://schemas.microsoft.com/office/powerpoint/2010/main" xmlns="" val="1717661603"/>
       </p:ext>
     </p:extLst>
   </p:cSld>
@@ -9112,7 +9112,7 @@
             </a:ln>
             <a:extLst>
               <a:ext uri="{91240B29-F687-4f45-9708-019B960494DF}">
-                <a14:hiddenLine xmlns="" xmlns:a14="http://schemas.microsoft.com/office/drawing/2010/main" w="9525">
+                <a14:hiddenLine xmlns:a14="http://schemas.microsoft.com/office/drawing/2010/main" xmlns="" w="9525">
                   <a:solidFill>
                     <a:srgbClr val="000000"/>
                   </a:solidFill>
@@ -9395,7 +9395,7 @@
     </p:spTree>
     <p:extLst>
       <p:ext uri="{BB962C8B-B14F-4D97-AF65-F5344CB8AC3E}">
-        <p14:creationId xmlns="" xmlns:p14="http://schemas.microsoft.com/office/powerpoint/2010/main" val="1755967668"/>
+        <p14:creationId xmlns:p14="http://schemas.microsoft.com/office/powerpoint/2010/main" xmlns="" val="1755967668"/>
       </p:ext>
     </p:extLst>
   </p:cSld>
@@ -9645,7 +9645,7 @@
     </p:spTree>
     <p:extLst>
       <p:ext uri="{BB962C8B-B14F-4D97-AF65-F5344CB8AC3E}">
-        <p14:creationId xmlns="" xmlns:p14="http://schemas.microsoft.com/office/powerpoint/2010/main" val="4172921178"/>
+        <p14:creationId xmlns:p14="http://schemas.microsoft.com/office/powerpoint/2010/main" xmlns="" val="4172921178"/>
       </p:ext>
     </p:extLst>
   </p:cSld>
@@ -10047,7 +10047,7 @@
     </p:spTree>
     <p:extLst>
       <p:ext uri="{BB962C8B-B14F-4D97-AF65-F5344CB8AC3E}">
-        <p14:creationId xmlns="" xmlns:p14="http://schemas.microsoft.com/office/powerpoint/2010/main" val="478058637"/>
+        <p14:creationId xmlns:p14="http://schemas.microsoft.com/office/powerpoint/2010/main" xmlns="" val="478058637"/>
       </p:ext>
     </p:extLst>
   </p:cSld>
@@ -10179,7 +10179,7 @@
     </p:spTree>
     <p:extLst>
       <p:ext uri="{BB962C8B-B14F-4D97-AF65-F5344CB8AC3E}">
-        <p14:creationId xmlns="" xmlns:p14="http://schemas.microsoft.com/office/powerpoint/2010/main" val="2250068421"/>
+        <p14:creationId xmlns:p14="http://schemas.microsoft.com/office/powerpoint/2010/main" xmlns="" val="2250068421"/>
       </p:ext>
     </p:extLst>
   </p:cSld>
@@ -10324,7 +10324,7 @@
     </p:spTree>
     <p:extLst>
       <p:ext uri="{BB962C8B-B14F-4D97-AF65-F5344CB8AC3E}">
-        <p14:creationId xmlns="" xmlns:p14="http://schemas.microsoft.com/office/powerpoint/2010/main" val="1876295953"/>
+        <p14:creationId xmlns:p14="http://schemas.microsoft.com/office/powerpoint/2010/main" xmlns="" val="1876295953"/>
       </p:ext>
     </p:extLst>
   </p:cSld>
@@ -11090,7 +11090,7 @@
             </a:ln>
             <a:extLst>
               <a:ext uri="{91240B29-F687-4f45-9708-019B960494DF}">
-                <a14:hiddenLine xmlns="" xmlns:a14="http://schemas.microsoft.com/office/drawing/2010/main" w="9525">
+                <a14:hiddenLine xmlns:a14="http://schemas.microsoft.com/office/drawing/2010/main" xmlns="" w="9525">
                   <a:solidFill>
                     <a:srgbClr val="000000"/>
                   </a:solidFill>
@@ -11384,7 +11384,7 @@
     </p:spTree>
     <p:extLst>
       <p:ext uri="{BB962C8B-B14F-4D97-AF65-F5344CB8AC3E}">
-        <p14:creationId xmlns="" xmlns:p14="http://schemas.microsoft.com/office/powerpoint/2010/main" val="3485286178"/>
+        <p14:creationId xmlns:p14="http://schemas.microsoft.com/office/powerpoint/2010/main" xmlns="" val="3485286178"/>
       </p:ext>
     </p:extLst>
   </p:cSld>
@@ -12150,7 +12150,7 @@
             </a:ln>
             <a:extLst>
               <a:ext uri="{91240B29-F687-4f45-9708-019B960494DF}">
-                <a14:hiddenLine xmlns="" xmlns:a14="http://schemas.microsoft.com/office/drawing/2010/main" w="9525">
+                <a14:hiddenLine xmlns:a14="http://schemas.microsoft.com/office/drawing/2010/main" xmlns="" w="9525">
                   <a:solidFill>
                     <a:srgbClr val="000000"/>
                   </a:solidFill>
@@ -12469,7 +12469,7 @@
     </p:spTree>
     <p:extLst>
       <p:ext uri="{BB962C8B-B14F-4D97-AF65-F5344CB8AC3E}">
-        <p14:creationId xmlns="" xmlns:p14="http://schemas.microsoft.com/office/powerpoint/2010/main" val="3333538302"/>
+        <p14:creationId xmlns:p14="http://schemas.microsoft.com/office/powerpoint/2010/main" xmlns="" val="3333538302"/>
       </p:ext>
     </p:extLst>
   </p:cSld>
@@ -13203,7 +13203,7 @@
             </a:ln>
             <a:extLst>
               <a:ext uri="{91240B29-F687-4f45-9708-019B960494DF}">
-                <a14:hiddenLine xmlns="" xmlns:a14="http://schemas.microsoft.com/office/drawing/2010/main" w="9525">
+                <a14:hiddenLine xmlns:a14="http://schemas.microsoft.com/office/drawing/2010/main" xmlns="" w="9525">
                   <a:solidFill>
                     <a:srgbClr val="000000"/>
                   </a:solidFill>
@@ -13465,7 +13465,7 @@
     </p:spTree>
     <p:extLst>
       <p:ext uri="{BB962C8B-B14F-4D97-AF65-F5344CB8AC3E}">
-        <p14:creationId xmlns="" xmlns:p14="http://schemas.microsoft.com/office/powerpoint/2010/main" val="2889167986"/>
+        <p14:creationId xmlns:p14="http://schemas.microsoft.com/office/powerpoint/2010/main" xmlns="" val="2889167986"/>
       </p:ext>
     </p:extLst>
   </p:cSld>
@@ -13935,7 +13935,7 @@
     </p:spTree>
     <p:extLst>
       <p:ext uri="{BB962C8B-B14F-4D97-AF65-F5344CB8AC3E}">
-        <p14:creationId xmlns="" xmlns:p14="http://schemas.microsoft.com/office/powerpoint/2010/main" val="4269681522"/>
+        <p14:creationId xmlns:p14="http://schemas.microsoft.com/office/powerpoint/2010/main" xmlns="" val="4269681522"/>
       </p:ext>
     </p:extLst>
   </p:cSld>
@@ -13994,7 +13994,7 @@
       </p:sp>
       <p:pic>
         <p:nvPicPr>
-          <p:cNvPr id="8" name="Movie3.mp4">
+          <p:cNvPr id="5" name="Realtime Execution.mp4">
             <a:hlinkClick r:id="" action="ppaction://media"/>
           </p:cNvPr>
           <p:cNvPicPr>
@@ -14013,8 +14013,8 @@
         </p:blipFill>
         <p:spPr>
           <a:xfrm>
-            <a:off x="947618" y="2189720"/>
-            <a:ext cx="10275902" cy="4567068"/>
+            <a:off x="947635" y="2174973"/>
+            <a:ext cx="10287000" cy="4572000"/>
           </a:xfrm>
           <a:prstGeom prst="rect">
             <a:avLst/>
@@ -14036,7 +14036,7 @@
                 <p:stCondLst>
                   <p:cond evt="onClick" delay="0">
                     <p:tgtEl>
-                      <p:spTgt spid="8"/>
+                      <p:spTgt spid="5"/>
                     </p:tgtEl>
                   </p:cond>
                 </p:stCondLst>
@@ -14066,7 +14066,7 @@
                                       <p:cBhvr>
                                         <p:cTn id="6" dur="1" fill="hold"/>
                                         <p:tgtEl>
-                                          <p:spTgt spid="8"/>
+                                          <p:spTgt spid="5"/>
                                         </p:tgtEl>
                                       </p:cBhvr>
                                     </p:cmd>
@@ -14084,7 +14084,7 @@
               <p:nextCondLst>
                 <p:cond evt="onClick" delay="0">
                   <p:tgtEl>
-                    <p:spTgt spid="8"/>
+                    <p:spTgt spid="5"/>
                   </p:tgtEl>
                 </p:cond>
               </p:nextCondLst>
@@ -14109,7 +14109,7 @@
                   </p:endCondLst>
                 </p:cTn>
                 <p:tgtEl>
-                  <p:spTgt spid="8"/>
+                  <p:spTgt spid="5"/>
                 </p:tgtEl>
               </p:cMediaNode>
             </p:video>
@@ -14205,33 +14205,13 @@
           <a:p>
             <a:r>
               <a:rPr lang="en-US" sz="2000" dirty="0" smtClean="0"/>
-              <a:t>We can develop a plug-in </a:t>
+              <a:t>We can develop a plug-in to automatically create a fitting NavMesh from a map that follows certain rules.</a:t>
             </a:r>
+          </a:p>
+          <a:p>
             <a:r>
               <a:rPr lang="en-US" sz="2000" dirty="0" smtClean="0"/>
-              <a:t>to automatically create a fitting NavMesh from a map that follows certain rules</a:t>
-            </a:r>
-            <a:r>
-              <a:rPr lang="en-US" sz="2000" dirty="0" smtClean="0"/>
-              <a:t>.</a:t>
-            </a:r>
-          </a:p>
-          <a:p>
-            <a:r>
-              <a:rPr lang="en-US" sz="2000" dirty="0" smtClean="0"/>
-              <a:t>We can Make the AR arrow to follow smoothly </a:t>
-            </a:r>
-            <a:r>
-              <a:rPr lang="en-US" sz="2000" dirty="0" smtClean="0"/>
-              <a:t>instead of </a:t>
-            </a:r>
-            <a:r>
-              <a:rPr lang="en-US" sz="2000" dirty="0" smtClean="0"/>
-              <a:t>reappearing.</a:t>
-            </a:r>
-            <a:r>
-              <a:rPr lang="en-US" sz="2000" dirty="0" smtClean="0"/>
-              <a:t> </a:t>
+              <a:t>We can Make the AR arrow to follow smoothly instead of reappearing. </a:t>
             </a:r>
             <a:endParaRPr lang="en-US" sz="2000" dirty="0"/>
           </a:p>
@@ -14242,6 +14222,13 @@
   <p:clrMapOvr>
     <a:masterClrMapping/>
   </p:clrMapOvr>
+  <p:timing>
+    <p:tnLst>
+      <p:par>
+        <p:cTn id="1" dur="indefinite" restart="never" nodeType="tmRoot"/>
+      </p:par>
+    </p:tnLst>
+  </p:timing>
 </p:sld>
 </file>
 
@@ -14267,7 +14254,7 @@
           <p:cNvPr id="2" name="Title 1">
             <a:extLst>
               <a:ext uri="{FF2B5EF4-FFF2-40B4-BE49-F238E27FC236}">
-                <a16:creationId xmlns="" xmlns:a16="http://schemas.microsoft.com/office/drawing/2014/main" id="{520A8215-F5B4-40C5-84C5-3668541C1D79}"/>
+                <a16:creationId xmlns:a16="http://schemas.microsoft.com/office/drawing/2014/main" xmlns="" id="{520A8215-F5B4-40C5-84C5-3668541C1D79}"/>
               </a:ext>
             </a:extLst>
           </p:cNvPr>
@@ -14298,13 +14285,20 @@
     </p:spTree>
     <p:extLst>
       <p:ext uri="{BB962C8B-B14F-4D97-AF65-F5344CB8AC3E}">
-        <p14:creationId xmlns="" xmlns:p14="http://schemas.microsoft.com/office/powerpoint/2010/main" val="2019756501"/>
+        <p14:creationId xmlns:p14="http://schemas.microsoft.com/office/powerpoint/2010/main" xmlns="" val="2019756501"/>
       </p:ext>
     </p:extLst>
   </p:cSld>
   <p:clrMapOvr>
     <a:masterClrMapping/>
   </p:clrMapOvr>
+  <p:timing>
+    <p:tnLst>
+      <p:par>
+        <p:cTn id="1" dur="indefinite" restart="never" nodeType="tmRoot"/>
+      </p:par>
+    </p:tnLst>
+  </p:timing>
 </p:sld>
 </file>
 
@@ -14359,6 +14353,13 @@
   <p:clrMapOvr>
     <a:masterClrMapping/>
   </p:clrMapOvr>
+  <p:timing>
+    <p:tnLst>
+      <p:par>
+        <p:cTn id="1" dur="indefinite" restart="never" nodeType="tmRoot"/>
+      </p:par>
+    </p:tnLst>
+  </p:timing>
 </p:sld>
 </file>
 
@@ -14438,23 +14439,7 @@
                   <a:schemeClr val="tx1"/>
                 </a:solidFill>
               </a:rPr>
-              <a:t>With a Smartphone in hand, it is pretty easy for us to find our way to the destination using </a:t>
-            </a:r>
-            <a:r>
-              <a:rPr lang="en-US" sz="2200" dirty="0" smtClean="0">
-                <a:solidFill>
-                  <a:schemeClr val="tx1"/>
-                </a:solidFill>
-              </a:rPr>
-              <a:t>Google maps, </a:t>
-            </a:r>
-            <a:r>
-              <a:rPr lang="en-US" sz="2200" dirty="0" smtClean="0">
-                <a:solidFill>
-                  <a:schemeClr val="tx1"/>
-                </a:solidFill>
-              </a:rPr>
-              <a:t>even when we are in an unfamiliar city. </a:t>
+              <a:t>With a Smartphone in hand, it is pretty easy for us to find our way to the destination using Google maps, even when we are in an unfamiliar city. </a:t>
             </a:r>
           </a:p>
           <a:p>
@@ -14472,15 +14457,7 @@
                   <a:schemeClr val="tx1"/>
                 </a:solidFill>
               </a:rPr>
-              <a:t>However, it is possible to get lost </a:t>
-            </a:r>
-            <a:r>
-              <a:rPr lang="en-US" sz="2200" dirty="0" smtClean="0">
-                <a:solidFill>
-                  <a:schemeClr val="tx1"/>
-                </a:solidFill>
-              </a:rPr>
-              <a:t>indoors like in Shopping Malls, Office buildings, etc.</a:t>
+              <a:t>However, it is possible to get lost indoors like in Shopping Malls, Office buildings, etc.</a:t>
             </a:r>
           </a:p>
           <a:p>
@@ -14498,15 +14475,7 @@
                   <a:schemeClr val="tx1"/>
                 </a:solidFill>
               </a:rPr>
-              <a:t>Indoor </a:t>
-            </a:r>
-            <a:r>
-              <a:rPr lang="en-US" sz="2200" dirty="0" smtClean="0">
-                <a:solidFill>
-                  <a:schemeClr val="tx1"/>
-                </a:solidFill>
-              </a:rPr>
-              <a:t>navigation deals with navigation within buildings.</a:t>
+              <a:t>Indoor navigation deals with navigation within buildings.</a:t>
             </a:r>
           </a:p>
           <a:p>
@@ -14706,15 +14675,17 @@
                   <a:schemeClr val="tx1"/>
                 </a:solidFill>
               </a:rPr>
-              <a:t>GPS reception is normally non-existent inside </a:t>
+              <a:t>GPS reception is normally non-existent inside buildings, we cannot use Google Maps.</a:t>
             </a:r>
+          </a:p>
+          <a:p>
             <a:r>
               <a:rPr lang="en-US" sz="2000" dirty="0" smtClean="0">
                 <a:solidFill>
                   <a:schemeClr val="tx1"/>
                 </a:solidFill>
               </a:rPr>
-              <a:t>buildings, we cannot use Google Maps.</a:t>
+              <a:t>Wi-Fi or Bluetooth Beacons can be used for indoor navigation. But these have an accuracy of 5 – 15 meters which is inefficient and requires costly hardware installation. </a:t>
             </a:r>
           </a:p>
           <a:p>
@@ -14724,112 +14695,17 @@
                   <a:schemeClr val="tx1"/>
                 </a:solidFill>
               </a:rPr>
-              <a:t>Wi-Fi </a:t>
+              <a:t>It’s easier to navigate indoors when you can see the directions in your surroundings.</a:t>
             </a:r>
+          </a:p>
+          <a:p>
             <a:r>
               <a:rPr lang="en-US" sz="2000" dirty="0" smtClean="0">
                 <a:solidFill>
                   <a:schemeClr val="tx1"/>
                 </a:solidFill>
               </a:rPr>
-              <a:t>or Bluetooth Beacons can be used for indoor </a:t>
-            </a:r>
-            <a:r>
-              <a:rPr lang="en-US" sz="2000" dirty="0" smtClean="0">
-                <a:solidFill>
-                  <a:schemeClr val="tx1"/>
-                </a:solidFill>
-              </a:rPr>
-              <a:t>navigation. </a:t>
-            </a:r>
-            <a:r>
-              <a:rPr lang="en-US" sz="2000" dirty="0" smtClean="0">
-                <a:solidFill>
-                  <a:schemeClr val="tx1"/>
-                </a:solidFill>
-              </a:rPr>
-              <a:t>But these have an accuracy of 5 – 15 </a:t>
-            </a:r>
-            <a:r>
-              <a:rPr lang="en-US" sz="2000" dirty="0" smtClean="0">
-                <a:solidFill>
-                  <a:schemeClr val="tx1"/>
-                </a:solidFill>
-              </a:rPr>
-              <a:t>meters which is inefficient </a:t>
-            </a:r>
-            <a:r>
-              <a:rPr lang="en-US" sz="2000" dirty="0" smtClean="0">
-                <a:solidFill>
-                  <a:schemeClr val="tx1"/>
-                </a:solidFill>
-              </a:rPr>
-              <a:t>and requires costly hardware installation. </a:t>
-            </a:r>
-            <a:endParaRPr lang="en-US" sz="2000" dirty="0" smtClean="0">
-              <a:solidFill>
-                <a:schemeClr val="tx1"/>
-              </a:solidFill>
-            </a:endParaRPr>
-          </a:p>
-          <a:p>
-            <a:r>
-              <a:rPr lang="en-US" sz="2000" dirty="0" smtClean="0">
-                <a:solidFill>
-                  <a:schemeClr val="tx1"/>
-                </a:solidFill>
-              </a:rPr>
-              <a:t>It’s easier to navigate indoors when you can see </a:t>
-            </a:r>
-            <a:r>
-              <a:rPr lang="en-US" sz="2000" dirty="0" smtClean="0">
-                <a:solidFill>
-                  <a:schemeClr val="tx1"/>
-                </a:solidFill>
-              </a:rPr>
-              <a:t>the directions in your surroundings.</a:t>
-            </a:r>
-          </a:p>
-          <a:p>
-            <a:r>
-              <a:rPr lang="en-US" sz="2000" dirty="0" smtClean="0">
-                <a:solidFill>
-                  <a:schemeClr val="tx1"/>
-                </a:solidFill>
-              </a:rPr>
-              <a:t>So, we </a:t>
-            </a:r>
-            <a:r>
-              <a:rPr lang="en-US" sz="2000" dirty="0" smtClean="0">
-                <a:solidFill>
-                  <a:schemeClr val="tx1"/>
-                </a:solidFill>
-              </a:rPr>
-              <a:t>intend to develop an </a:t>
-            </a:r>
-            <a:r>
-              <a:rPr lang="en-US" sz="2000" dirty="0" smtClean="0">
-                <a:solidFill>
-                  <a:schemeClr val="tx1"/>
-                </a:solidFill>
-              </a:rPr>
-              <a:t>AR application </a:t>
-            </a:r>
-            <a:r>
-              <a:rPr lang="en-US" sz="2000" dirty="0" smtClean="0">
-                <a:solidFill>
-                  <a:schemeClr val="tx1"/>
-                </a:solidFill>
-              </a:rPr>
-              <a:t>which will show the directions to the destination in the user’s camera</a:t>
-            </a:r>
-            <a:r>
-              <a:rPr lang="en-US" sz="2000" dirty="0" smtClean="0">
-                <a:solidFill>
-                  <a:schemeClr val="tx1"/>
-                </a:solidFill>
-              </a:rPr>
-              <a:t>. It is efficient and doesn’t require any hardware.</a:t>
+              <a:t>So, we intend to develop an AR application which will show the directions to the destination in the user’s camera. It is efficient and doesn’t require any hardware.</a:t>
             </a:r>
             <a:endParaRPr lang="en-US" sz="2000" dirty="0"/>
           </a:p>
@@ -14865,7 +14741,7 @@
           <p:cNvPr id="2" name="Title 1">
             <a:extLst>
               <a:ext uri="{FF2B5EF4-FFF2-40B4-BE49-F238E27FC236}">
-                <a16:creationId xmlns="" xmlns:a16="http://schemas.microsoft.com/office/drawing/2014/main" id="{42CAA49C-7B9E-41B4-A1DD-FEE24264ADB5}"/>
+                <a16:creationId xmlns:a16="http://schemas.microsoft.com/office/drawing/2014/main" xmlns="" id="{42CAA49C-7B9E-41B4-A1DD-FEE24264ADB5}"/>
               </a:ext>
             </a:extLst>
           </p:cNvPr>
@@ -14893,7 +14769,7 @@
           <p:cNvPr id="3" name="Content Placeholder 2">
             <a:extLst>
               <a:ext uri="{FF2B5EF4-FFF2-40B4-BE49-F238E27FC236}">
-                <a16:creationId xmlns="" xmlns:a16="http://schemas.microsoft.com/office/drawing/2014/main" id="{3135B43A-3837-4721-B0B1-4389318741EF}"/>
+                <a16:creationId xmlns:a16="http://schemas.microsoft.com/office/drawing/2014/main" xmlns="" id="{3135B43A-3837-4721-B0B1-4389318741EF}"/>
               </a:ext>
             </a:extLst>
           </p:cNvPr>
@@ -14960,11 +14836,7 @@
             </a:r>
             <a:r>
               <a:rPr lang="en-US" sz="2000" dirty="0" smtClean="0"/>
-              <a:t>m</a:t>
-            </a:r>
-            <a:r>
-              <a:rPr lang="en-US" sz="2000" dirty="0" smtClean="0"/>
-              <a:t>emory</a:t>
+              <a:t>memory</a:t>
             </a:r>
             <a:endParaRPr lang="en-US" sz="2000" dirty="0"/>
           </a:p>
@@ -15007,7 +14879,7 @@
     </p:spTree>
     <p:extLst>
       <p:ext uri="{BB962C8B-B14F-4D97-AF65-F5344CB8AC3E}">
-        <p14:creationId xmlns="" xmlns:p14="http://schemas.microsoft.com/office/powerpoint/2010/main" val="842374319"/>
+        <p14:creationId xmlns:p14="http://schemas.microsoft.com/office/powerpoint/2010/main" xmlns="" val="842374319"/>
       </p:ext>
     </p:extLst>
   </p:cSld>
@@ -15081,61 +14953,13 @@
           <a:p>
             <a:r>
               <a:rPr lang="en-US" sz="2200" dirty="0" smtClean="0"/>
-              <a:t>Unity is the development environment chosen for this </a:t>
+              <a:t>Unity is the development environment chosen for this project because of its ease of use.</a:t>
             </a:r>
+          </a:p>
+          <a:p>
             <a:r>
               <a:rPr lang="en-US" sz="2200" dirty="0" smtClean="0"/>
-              <a:t>project because </a:t>
-            </a:r>
-            <a:r>
-              <a:rPr lang="en-US" sz="2200" dirty="0" smtClean="0"/>
-              <a:t>of its ease of </a:t>
-            </a:r>
-            <a:r>
-              <a:rPr lang="en-US" sz="2200" dirty="0" smtClean="0"/>
-              <a:t>use.</a:t>
-            </a:r>
-          </a:p>
-          <a:p>
-            <a:r>
-              <a:rPr lang="en-US" sz="2200" dirty="0" smtClean="0"/>
-              <a:t>The project consists out of four big parts, </a:t>
-            </a:r>
-            <a:r>
-              <a:rPr lang="en-US" sz="2200" dirty="0" smtClean="0"/>
-              <a:t>namely </a:t>
-            </a:r>
-            <a:r>
-              <a:rPr lang="en-US" sz="2200" dirty="0" smtClean="0"/>
-              <a:t>the QR-code </a:t>
-            </a:r>
-            <a:r>
-              <a:rPr lang="en-US" sz="2200" dirty="0" smtClean="0"/>
-              <a:t>positioning, the </a:t>
-            </a:r>
-            <a:r>
-              <a:rPr lang="en-US" sz="2200" dirty="0" smtClean="0"/>
-              <a:t>ARCore based localization</a:t>
-            </a:r>
-            <a:r>
-              <a:rPr lang="en-US" sz="2200" dirty="0" smtClean="0"/>
-              <a:t>, </a:t>
-            </a:r>
-            <a:r>
-              <a:rPr lang="en-US" sz="2200" dirty="0" smtClean="0"/>
-              <a:t>the </a:t>
-            </a:r>
-            <a:r>
-              <a:rPr lang="en-US" sz="2200" dirty="0" smtClean="0"/>
-              <a:t>Navigation </a:t>
-            </a:r>
-            <a:r>
-              <a:rPr lang="en-US" sz="2200" dirty="0" smtClean="0"/>
-              <a:t>(NavMesh), and lastly the AR view</a:t>
-            </a:r>
-            <a:r>
-              <a:rPr lang="en-US" sz="2200" dirty="0" smtClean="0"/>
-              <a:t>.</a:t>
+              <a:t>The project consists out of four big parts, namely the QR-code positioning, the ARCore based localization, the Navigation (NavMesh), and lastly the AR view.</a:t>
             </a:r>
           </a:p>
           <a:p>
@@ -15224,45 +15048,13 @@
           <a:p>
             <a:r>
               <a:rPr lang="en-US" sz="2000" dirty="0" smtClean="0"/>
-              <a:t>For </a:t>
+              <a:t>For start position synchronization of the user, he needs to scan a QR code once he opens the app.</a:t>
             </a:r>
+          </a:p>
+          <a:p>
             <a:r>
               <a:rPr lang="en-US" sz="2000" dirty="0" smtClean="0"/>
-              <a:t>start position </a:t>
-            </a:r>
-            <a:r>
-              <a:rPr lang="en-US" sz="2000" dirty="0" smtClean="0"/>
-              <a:t>synchronization of the user, he needs to scan a QR code once he opens the app.</a:t>
-            </a:r>
-          </a:p>
-          <a:p>
-            <a:r>
-              <a:rPr lang="en-US" sz="2000" dirty="0" smtClean="0"/>
-              <a:t>After that the users movement is tracked by the SLAM</a:t>
-            </a:r>
-            <a:r>
-              <a:rPr lang="en-US" sz="2000" dirty="0" smtClean="0"/>
-              <a:t> or </a:t>
-            </a:r>
-            <a:r>
-              <a:rPr lang="en-US" sz="2000" dirty="0" smtClean="0"/>
-              <a:t>Simultaneous Localization </a:t>
-            </a:r>
-            <a:r>
-              <a:rPr lang="en-US" sz="2000" dirty="0" smtClean="0"/>
-              <a:t>And Mapping</a:t>
-            </a:r>
-            <a:r>
-              <a:rPr lang="en-US" sz="2000" dirty="0" smtClean="0"/>
-              <a:t> algorithm which is provided by </a:t>
-            </a:r>
-            <a:r>
-              <a:rPr lang="en-US" sz="2000" dirty="0" smtClean="0"/>
-              <a:t>Google </a:t>
-            </a:r>
-            <a:r>
-              <a:rPr lang="en-US" sz="2000" dirty="0" smtClean="0"/>
-              <a:t>ARCore.</a:t>
+              <a:t>After that the users movement is tracked by the SLAM or Simultaneous Localization And Mapping algorithm which is provided by Google ARCore.</a:t>
             </a:r>
           </a:p>
           <a:p>
@@ -15533,15 +15325,7 @@
           <a:p>
             <a:r>
               <a:rPr lang="en-US" sz="2000" dirty="0" smtClean="0"/>
-              <a:t>We shall create an arrow in AR which comes in </a:t>
-            </a:r>
-            <a:r>
-              <a:rPr lang="en-US" sz="2000" dirty="0" smtClean="0"/>
-              <a:t>front of the user that points in the direction the user needs </a:t>
-            </a:r>
-            <a:r>
-              <a:rPr lang="en-US" sz="2000" dirty="0" smtClean="0"/>
-              <a:t>to go.</a:t>
+              <a:t>We shall create an arrow in AR which comes in front of the user that points in the direction the user needs to go.</a:t>
             </a:r>
           </a:p>
           <a:p>
@@ -15883,7 +15667,7 @@
   <a:extraClrSchemeLst/>
   <a:extLst>
     <a:ext uri="{05A4C25C-085E-4340-85A3-A5531E510DB2}">
-      <thm15:themeFamily xmlns="" xmlns:thm15="http://schemas.microsoft.com/office/thememl/2012/main" name="Ion Boardroom" id="{FC33163D-4339-46B1-8EED-24C834239D99}" vid="{B8502691-933B-45FE-8764-BA278511EF27}"/>
+      <thm15:themeFamily xmlns:thm15="http://schemas.microsoft.com/office/thememl/2012/main" xmlns="" name="Ion Boardroom" id="{FC33163D-4339-46B1-8EED-24C834239D99}" vid="{B8502691-933B-45FE-8764-BA278511EF27}"/>
     </a:ext>
   </a:extLst>
 </a:theme>
@@ -16178,13 +15962,31 @@
   <a:extraClrSchemeLst/>
   <a:extLst>
     <a:ext uri="{05A4C25C-085E-4340-85A3-A5531E510DB2}">
-      <thm15:themeFamily xmlns="" xmlns:thm15="http://schemas.microsoft.com/office/thememl/2012/main" name="Office Theme" id="{62F939B6-93AF-4DB8-9C6B-D6C7DFDC589F}" vid="{4A3C46E8-61CC-4603-A589-7422A47A8E4A}"/>
+      <thm15:themeFamily xmlns:thm15="http://schemas.microsoft.com/office/thememl/2012/main" xmlns="" name="Office Theme" id="{62F939B6-93AF-4DB8-9C6B-D6C7DFDC589F}" vid="{4A3C46E8-61CC-4603-A589-7422A47A8E4A}"/>
     </a:ext>
   </a:extLst>
 </a:theme>
 </file>
 
 <file path=customXml/item1.xml><?xml version="1.0" encoding="utf-8"?>
+<?mso-contentType ?>
+<FormTemplates xmlns="http://schemas.microsoft.com/sharepoint/v3/contenttype/forms">
+  <Display>DocumentLibraryForm</Display>
+  <Edit>DocumentLibraryForm</Edit>
+  <New>DocumentLibraryForm</New>
+</FormTemplates>
+</file>
+
+<file path=customXml/item2.xml><?xml version="1.0" encoding="utf-8"?>
+<p:properties xmlns:p="http://schemas.microsoft.com/office/2006/metadata/properties" xmlns:xsi="http://www.w3.org/2001/XMLSchema-instance" xmlns:pc="http://schemas.microsoft.com/office/infopath/2007/PartnerControls">
+  <documentManagement>
+    <Status xmlns="71af3243-3dd4-4a8d-8c0d-dd76da1f02a5">Not started</Status>
+    <MediaServiceKeyPoints xmlns="71af3243-3dd4-4a8d-8c0d-dd76da1f02a5" xsi:nil="true"/>
+  </documentManagement>
+</p:properties>
+</file>
+
+<file path=customXml/item3.xml><?xml version="1.0" encoding="utf-8"?>
 <ct:contentTypeSchema xmlns:ct="http://schemas.microsoft.com/office/2006/metadata/contentType" xmlns:ma="http://schemas.microsoft.com/office/2006/metadata/properties/metaAttributes" ct:_="" ma:_="" ma:contentTypeName="Document" ma:contentTypeID="0x01010079F111ED35F8CC479449609E8A0923A6" ma:contentTypeVersion="12" ma:contentTypeDescription="Create a new document." ma:contentTypeScope="" ma:versionID="a410dd7f93c95333ffa1b60ed6adedd1">
   <xsd:schema xmlns:xsd="http://www.w3.org/2001/XMLSchema" xmlns:xs="http://www.w3.org/2001/XMLSchema" xmlns:p="http://schemas.microsoft.com/office/2006/metadata/properties" xmlns:ns2="71af3243-3dd4-4a8d-8c0d-dd76da1f02a5" xmlns:ns3="16c05727-aa75-4e4a-9b5f-8a80a1165891" targetNamespace="http://schemas.microsoft.com/office/2006/metadata/properties" ma:root="true" ma:fieldsID="a936d9baba76aa3866493feff160faab" ns2:_="" ns3:_="">
     <xsd:import namespace="71af3243-3dd4-4a8d-8c0d-dd76da1f02a5"/>
@@ -16405,25 +16207,25 @@
 </ct:contentTypeSchema>
 </file>
 
-<file path=customXml/item2.xml><?xml version="1.0" encoding="utf-8"?>
-<p:properties xmlns:p="http://schemas.microsoft.com/office/2006/metadata/properties" xmlns:xsi="http://www.w3.org/2001/XMLSchema-instance" xmlns:pc="http://schemas.microsoft.com/office/infopath/2007/PartnerControls">
-  <documentManagement>
-    <Status xmlns="71af3243-3dd4-4a8d-8c0d-dd76da1f02a5">Not started</Status>
-    <MediaServiceKeyPoints xmlns="71af3243-3dd4-4a8d-8c0d-dd76da1f02a5" xsi:nil="true"/>
-  </documentManagement>
-</p:properties>
+<file path=customXml/itemProps1.xml><?xml version="1.0" encoding="utf-8"?>
+<ds:datastoreItem xmlns:ds="http://schemas.openxmlformats.org/officeDocument/2006/customXml" ds:itemID="{63D38F1F-4760-49B9-B932-28FBC1D6D945}">
+  <ds:schemaRefs>
+    <ds:schemaRef ds:uri="http://schemas.microsoft.com/sharepoint/v3/contenttype/forms"/>
+  </ds:schemaRefs>
+</ds:datastoreItem>
 </file>
 
-<file path=customXml/item3.xml><?xml version="1.0" encoding="utf-8"?>
-<?mso-contentType ?>
-<FormTemplates xmlns="http://schemas.microsoft.com/sharepoint/v3/contenttype/forms">
-  <Display>DocumentLibraryForm</Display>
-  <Edit>DocumentLibraryForm</Edit>
-  <New>DocumentLibraryForm</New>
-</FormTemplates>
+<file path=customXml/itemProps2.xml><?xml version="1.0" encoding="utf-8"?>
+<ds:datastoreItem xmlns:ds="http://schemas.openxmlformats.org/officeDocument/2006/customXml" ds:itemID="{E94D590D-28CA-4FA8-91F0-B6B7E0C703A4}">
+  <ds:schemaRefs>
+    <ds:schemaRef ds:uri="http://schemas.microsoft.com/office/2006/metadata/properties"/>
+    <ds:schemaRef ds:uri="http://schemas.microsoft.com/office/infopath/2007/PartnerControls"/>
+    <ds:schemaRef ds:uri="71af3243-3dd4-4a8d-8c0d-dd76da1f02a5"/>
+  </ds:schemaRefs>
+</ds:datastoreItem>
 </file>
 
-<file path=customXml/itemProps1.xml><?xml version="1.0" encoding="utf-8"?>
+<file path=customXml/itemProps3.xml><?xml version="1.0" encoding="utf-8"?>
 <ds:datastoreItem xmlns:ds="http://schemas.openxmlformats.org/officeDocument/2006/customXml" ds:itemID="{2A87E85C-0CEC-459D-BBD7-FA4EF075C724}">
   <ds:schemaRefs>
     <ds:schemaRef ds:uri="http://schemas.microsoft.com/office/2006/metadata/contentType"/>
@@ -16440,22 +16242,4 @@
     <ds:schemaRef ds:uri="http://schemas.microsoft.com/internal/obd"/>
   </ds:schemaRefs>
 </ds:datastoreItem>
-</file>
-
-<file path=customXml/itemProps2.xml><?xml version="1.0" encoding="utf-8"?>
-<ds:datastoreItem xmlns:ds="http://schemas.openxmlformats.org/officeDocument/2006/customXml" ds:itemID="{E94D590D-28CA-4FA8-91F0-B6B7E0C703A4}">
-  <ds:schemaRefs>
-    <ds:schemaRef ds:uri="http://schemas.microsoft.com/office/2006/metadata/properties"/>
-    <ds:schemaRef ds:uri="http://schemas.microsoft.com/office/infopath/2007/PartnerControls"/>
-    <ds:schemaRef ds:uri="71af3243-3dd4-4a8d-8c0d-dd76da1f02a5"/>
-  </ds:schemaRefs>
-</ds:datastoreItem>
-</file>
-
-<file path=customXml/itemProps3.xml><?xml version="1.0" encoding="utf-8"?>
-<ds:datastoreItem xmlns:ds="http://schemas.openxmlformats.org/officeDocument/2006/customXml" ds:itemID="{63D38F1F-4760-49B9-B932-28FBC1D6D945}">
-  <ds:schemaRefs>
-    <ds:schemaRef ds:uri="http://schemas.microsoft.com/sharepoint/v3/contenttype/forms"/>
-  </ds:schemaRefs>
-</ds:datastoreItem>
 </file>